--- a/Proposal/website mock up.pptx
+++ b/Proposal/website mock up.pptx
@@ -108,7 +108,20 @@
       </a:defRPr>
     </a:lvl9pPr>
   </p:defaultTextStyle>
+  <p:extLst>
+    <p:ext uri="{EFAFB233-063F-42B5-8137-9DF3F51BA10A}">
+      <p15:sldGuideLst xmlns:p15="http://schemas.microsoft.com/office/powerpoint/2012/main"/>
+    </p:ext>
+  </p:extLst>
 </p:presentation>
+</file>
+
+<file path=ppt/revisionInfo.xml><?xml version="1.0" encoding="utf-8"?>
+<p1510:revInfo xmlns:a="http://schemas.openxmlformats.org/drawingml/2006/main" xmlns:r="http://schemas.openxmlformats.org/officeDocument/2006/relationships" xmlns:p1510="http://schemas.microsoft.com/office/powerpoint/2015/10/main">
+  <p1510:revLst>
+    <p1510:client id="{0F59E438-DD9D-4C00-927C-769ED255A2EB}" v="3" dt="2021-03-27T16:41:38.623"/>
+  </p1510:revLst>
+</p1510:revInfo>
 </file>
 
 <file path=ppt/diagrams/colors1.xml><?xml version="1.0" encoding="utf-8"?>
@@ -2766,12 +2779,8 @@
         <a:lstStyle/>
         <a:p>
           <a:r>
-            <a:rPr lang="en-US" dirty="0" err="1"/>
-            <a:t>Etc</a:t>
-          </a:r>
-          <a:r>
             <a:rPr lang="en-US" dirty="0"/>
-            <a:t>…</a:t>
+            <a:t>Etc…</a:t>
           </a:r>
         </a:p>
       </dgm:t>
@@ -3408,12 +3417,8 @@
         <a:lstStyle/>
         <a:p>
           <a:r>
-            <a:rPr lang="en-US" dirty="0" err="1"/>
-            <a:t>chihuaha</a:t>
-          </a:r>
-          <a:r>
             <a:rPr lang="en-US" dirty="0"/>
-            <a:t> the mighty</a:t>
+            <a:t>chihuaha the mighty</a:t>
           </a:r>
         </a:p>
       </dgm:t>
@@ -3520,12 +3525,8 @@
         <a:lstStyle/>
         <a:p>
           <a:r>
-            <a:rPr lang="en-US" dirty="0" err="1"/>
-            <a:t>Etc</a:t>
-          </a:r>
-          <a:r>
             <a:rPr lang="en-US" dirty="0"/>
-            <a:t>…</a:t>
+            <a:t>Etc…</a:t>
           </a:r>
         </a:p>
       </dgm:t>
@@ -3559,7 +3560,7 @@
         <a:bodyPr/>
         <a:lstStyle/>
         <a:p>
-          <a:endParaRPr lang="en-US"/>
+          <a:endParaRPr lang="en-US" dirty="0"/>
         </a:p>
       </dgm:t>
     </dgm:pt>
@@ -4317,12 +4318,8 @@
             <a:buNone/>
           </a:pPr>
           <a:r>
-            <a:rPr lang="en-US" sz="1300" kern="1200" dirty="0" err="1"/>
-            <a:t>Etc</a:t>
-          </a:r>
-          <a:r>
             <a:rPr lang="en-US" sz="1300" kern="1200" dirty="0"/>
-            <a:t>…</a:t>
+            <a:t>Etc…</a:t>
           </a:r>
         </a:p>
       </dsp:txBody>
@@ -5162,12 +5159,8 @@
             <a:buNone/>
           </a:pPr>
           <a:r>
-            <a:rPr lang="en-US" sz="2000" kern="1200" dirty="0" err="1"/>
-            <a:t>chihuaha</a:t>
-          </a:r>
-          <a:r>
             <a:rPr lang="en-US" sz="2000" kern="1200" dirty="0"/>
-            <a:t> the mighty</a:t>
+            <a:t>chihuaha the mighty</a:t>
           </a:r>
         </a:p>
       </dsp:txBody>
@@ -5403,12 +5396,8 @@
             <a:buNone/>
           </a:pPr>
           <a:r>
-            <a:rPr lang="en-US" sz="2000" kern="1200" dirty="0" err="1"/>
-            <a:t>Etc</a:t>
-          </a:r>
-          <a:r>
             <a:rPr lang="en-US" sz="2000" kern="1200" dirty="0"/>
-            <a:t>…</a:t>
+            <a:t>Etc…</a:t>
           </a:r>
         </a:p>
       </dsp:txBody>
@@ -5485,7 +5474,7 @@
             </a:spcAft>
             <a:buNone/>
           </a:pPr>
-          <a:endParaRPr lang="en-US" sz="2000" kern="1200"/>
+          <a:endParaRPr lang="en-US" sz="2000" kern="1200" dirty="0"/>
         </a:p>
       </dsp:txBody>
       <dsp:txXfrm>
@@ -9187,9 +9176,9 @@
           <a:p>
             <a:fld id="{16F56834-CBFD-4BFA-AD95-B09D4A4AB911}" type="datetimeFigureOut">
               <a:rPr lang="en-US" smtClean="0"/>
-              <a:t>3/26/2021</a:t>
+              <a:t>3/27/2021</a:t>
             </a:fld>
-            <a:endParaRPr lang="en-US"/>
+            <a:endParaRPr lang="en-US" dirty="0"/>
           </a:p>
         </p:txBody>
       </p:sp>
@@ -9214,7 +9203,7 @@
           <a:bodyPr/>
           <a:lstStyle/>
           <a:p>
-            <a:endParaRPr lang="en-US"/>
+            <a:endParaRPr lang="en-US" dirty="0"/>
           </a:p>
         </p:txBody>
       </p:sp>
@@ -9243,7 +9232,7 @@
               <a:rPr lang="en-US" smtClean="0"/>
               <a:t>‹#›</a:t>
             </a:fld>
-            <a:endParaRPr lang="en-US"/>
+            <a:endParaRPr lang="en-US" dirty="0"/>
           </a:p>
         </p:txBody>
       </p:sp>
@@ -9385,9 +9374,9 @@
           <a:p>
             <a:fld id="{16F56834-CBFD-4BFA-AD95-B09D4A4AB911}" type="datetimeFigureOut">
               <a:rPr lang="en-US" smtClean="0"/>
-              <a:t>3/26/2021</a:t>
+              <a:t>3/27/2021</a:t>
             </a:fld>
-            <a:endParaRPr lang="en-US"/>
+            <a:endParaRPr lang="en-US" dirty="0"/>
           </a:p>
         </p:txBody>
       </p:sp>
@@ -9412,7 +9401,7 @@
           <a:bodyPr/>
           <a:lstStyle/>
           <a:p>
-            <a:endParaRPr lang="en-US"/>
+            <a:endParaRPr lang="en-US" dirty="0"/>
           </a:p>
         </p:txBody>
       </p:sp>
@@ -9441,7 +9430,7 @@
               <a:rPr lang="en-US" smtClean="0"/>
               <a:t>‹#›</a:t>
             </a:fld>
-            <a:endParaRPr lang="en-US"/>
+            <a:endParaRPr lang="en-US" dirty="0"/>
           </a:p>
         </p:txBody>
       </p:sp>
@@ -9593,9 +9582,9 @@
           <a:p>
             <a:fld id="{16F56834-CBFD-4BFA-AD95-B09D4A4AB911}" type="datetimeFigureOut">
               <a:rPr lang="en-US" smtClean="0"/>
-              <a:t>3/26/2021</a:t>
+              <a:t>3/27/2021</a:t>
             </a:fld>
-            <a:endParaRPr lang="en-US"/>
+            <a:endParaRPr lang="en-US" dirty="0"/>
           </a:p>
         </p:txBody>
       </p:sp>
@@ -9620,7 +9609,7 @@
           <a:bodyPr/>
           <a:lstStyle/>
           <a:p>
-            <a:endParaRPr lang="en-US"/>
+            <a:endParaRPr lang="en-US" dirty="0"/>
           </a:p>
         </p:txBody>
       </p:sp>
@@ -9649,7 +9638,7 @@
               <a:rPr lang="en-US" smtClean="0"/>
               <a:t>‹#›</a:t>
             </a:fld>
-            <a:endParaRPr lang="en-US"/>
+            <a:endParaRPr lang="en-US" dirty="0"/>
           </a:p>
         </p:txBody>
       </p:sp>
@@ -9791,9 +9780,9 @@
           <a:p>
             <a:fld id="{16F56834-CBFD-4BFA-AD95-B09D4A4AB911}" type="datetimeFigureOut">
               <a:rPr lang="en-US" smtClean="0"/>
-              <a:t>3/26/2021</a:t>
+              <a:t>3/27/2021</a:t>
             </a:fld>
-            <a:endParaRPr lang="en-US"/>
+            <a:endParaRPr lang="en-US" dirty="0"/>
           </a:p>
         </p:txBody>
       </p:sp>
@@ -9818,7 +9807,7 @@
           <a:bodyPr/>
           <a:lstStyle/>
           <a:p>
-            <a:endParaRPr lang="en-US"/>
+            <a:endParaRPr lang="en-US" dirty="0"/>
           </a:p>
         </p:txBody>
       </p:sp>
@@ -9847,7 +9836,7 @@
               <a:rPr lang="en-US" smtClean="0"/>
               <a:t>‹#›</a:t>
             </a:fld>
-            <a:endParaRPr lang="en-US"/>
+            <a:endParaRPr lang="en-US" dirty="0"/>
           </a:p>
         </p:txBody>
       </p:sp>
@@ -10066,9 +10055,9 @@
           <a:p>
             <a:fld id="{16F56834-CBFD-4BFA-AD95-B09D4A4AB911}" type="datetimeFigureOut">
               <a:rPr lang="en-US" smtClean="0"/>
-              <a:t>3/26/2021</a:t>
+              <a:t>3/27/2021</a:t>
             </a:fld>
-            <a:endParaRPr lang="en-US"/>
+            <a:endParaRPr lang="en-US" dirty="0"/>
           </a:p>
         </p:txBody>
       </p:sp>
@@ -10093,7 +10082,7 @@
           <a:bodyPr/>
           <a:lstStyle/>
           <a:p>
-            <a:endParaRPr lang="en-US"/>
+            <a:endParaRPr lang="en-US" dirty="0"/>
           </a:p>
         </p:txBody>
       </p:sp>
@@ -10122,7 +10111,7 @@
               <a:rPr lang="en-US" smtClean="0"/>
               <a:t>‹#›</a:t>
             </a:fld>
-            <a:endParaRPr lang="en-US"/>
+            <a:endParaRPr lang="en-US" dirty="0"/>
           </a:p>
         </p:txBody>
       </p:sp>
@@ -10331,9 +10320,9 @@
           <a:p>
             <a:fld id="{16F56834-CBFD-4BFA-AD95-B09D4A4AB911}" type="datetimeFigureOut">
               <a:rPr lang="en-US" smtClean="0"/>
-              <a:t>3/26/2021</a:t>
+              <a:t>3/27/2021</a:t>
             </a:fld>
-            <a:endParaRPr lang="en-US"/>
+            <a:endParaRPr lang="en-US" dirty="0"/>
           </a:p>
         </p:txBody>
       </p:sp>
@@ -10358,7 +10347,7 @@
           <a:bodyPr/>
           <a:lstStyle/>
           <a:p>
-            <a:endParaRPr lang="en-US"/>
+            <a:endParaRPr lang="en-US" dirty="0"/>
           </a:p>
         </p:txBody>
       </p:sp>
@@ -10387,7 +10376,7 @@
               <a:rPr lang="en-US" smtClean="0"/>
               <a:t>‹#›</a:t>
             </a:fld>
-            <a:endParaRPr lang="en-US"/>
+            <a:endParaRPr lang="en-US" dirty="0"/>
           </a:p>
         </p:txBody>
       </p:sp>
@@ -10743,9 +10732,9 @@
           <a:p>
             <a:fld id="{16F56834-CBFD-4BFA-AD95-B09D4A4AB911}" type="datetimeFigureOut">
               <a:rPr lang="en-US" smtClean="0"/>
-              <a:t>3/26/2021</a:t>
+              <a:t>3/27/2021</a:t>
             </a:fld>
-            <a:endParaRPr lang="en-US"/>
+            <a:endParaRPr lang="en-US" dirty="0"/>
           </a:p>
         </p:txBody>
       </p:sp>
@@ -10770,7 +10759,7 @@
           <a:bodyPr/>
           <a:lstStyle/>
           <a:p>
-            <a:endParaRPr lang="en-US"/>
+            <a:endParaRPr lang="en-US" dirty="0"/>
           </a:p>
         </p:txBody>
       </p:sp>
@@ -10799,7 +10788,7 @@
               <a:rPr lang="en-US" smtClean="0"/>
               <a:t>‹#›</a:t>
             </a:fld>
-            <a:endParaRPr lang="en-US"/>
+            <a:endParaRPr lang="en-US" dirty="0"/>
           </a:p>
         </p:txBody>
       </p:sp>
@@ -10884,9 +10873,9 @@
           <a:p>
             <a:fld id="{16F56834-CBFD-4BFA-AD95-B09D4A4AB911}" type="datetimeFigureOut">
               <a:rPr lang="en-US" smtClean="0"/>
-              <a:t>3/26/2021</a:t>
+              <a:t>3/27/2021</a:t>
             </a:fld>
-            <a:endParaRPr lang="en-US"/>
+            <a:endParaRPr lang="en-US" dirty="0"/>
           </a:p>
         </p:txBody>
       </p:sp>
@@ -10911,7 +10900,7 @@
           <a:bodyPr/>
           <a:lstStyle/>
           <a:p>
-            <a:endParaRPr lang="en-US"/>
+            <a:endParaRPr lang="en-US" dirty="0"/>
           </a:p>
         </p:txBody>
       </p:sp>
@@ -10940,7 +10929,7 @@
               <a:rPr lang="en-US" smtClean="0"/>
               <a:t>‹#›</a:t>
             </a:fld>
-            <a:endParaRPr lang="en-US"/>
+            <a:endParaRPr lang="en-US" dirty="0"/>
           </a:p>
         </p:txBody>
       </p:sp>
@@ -10997,9 +10986,9 @@
           <a:p>
             <a:fld id="{16F56834-CBFD-4BFA-AD95-B09D4A4AB911}" type="datetimeFigureOut">
               <a:rPr lang="en-US" smtClean="0"/>
-              <a:t>3/26/2021</a:t>
+              <a:t>3/27/2021</a:t>
             </a:fld>
-            <a:endParaRPr lang="en-US"/>
+            <a:endParaRPr lang="en-US" dirty="0"/>
           </a:p>
         </p:txBody>
       </p:sp>
@@ -11024,7 +11013,7 @@
           <a:bodyPr/>
           <a:lstStyle/>
           <a:p>
-            <a:endParaRPr lang="en-US"/>
+            <a:endParaRPr lang="en-US" dirty="0"/>
           </a:p>
         </p:txBody>
       </p:sp>
@@ -11053,7 +11042,7 @@
               <a:rPr lang="en-US" smtClean="0"/>
               <a:t>‹#›</a:t>
             </a:fld>
-            <a:endParaRPr lang="en-US"/>
+            <a:endParaRPr lang="en-US" dirty="0"/>
           </a:p>
         </p:txBody>
       </p:sp>
@@ -11308,9 +11297,9 @@
           <a:p>
             <a:fld id="{16F56834-CBFD-4BFA-AD95-B09D4A4AB911}" type="datetimeFigureOut">
               <a:rPr lang="en-US" smtClean="0"/>
-              <a:t>3/26/2021</a:t>
+              <a:t>3/27/2021</a:t>
             </a:fld>
-            <a:endParaRPr lang="en-US"/>
+            <a:endParaRPr lang="en-US" dirty="0"/>
           </a:p>
         </p:txBody>
       </p:sp>
@@ -11335,7 +11324,7 @@
           <a:bodyPr/>
           <a:lstStyle/>
           <a:p>
-            <a:endParaRPr lang="en-US"/>
+            <a:endParaRPr lang="en-US" dirty="0"/>
           </a:p>
         </p:txBody>
       </p:sp>
@@ -11364,7 +11353,7 @@
               <a:rPr lang="en-US" smtClean="0"/>
               <a:t>‹#›</a:t>
             </a:fld>
-            <a:endParaRPr lang="en-US"/>
+            <a:endParaRPr lang="en-US" dirty="0"/>
           </a:p>
         </p:txBody>
       </p:sp>
@@ -11498,7 +11487,7 @@
             </a:lvl9pPr>
           </a:lstStyle>
           <a:p>
-            <a:endParaRPr lang="en-US"/>
+            <a:endParaRPr lang="en-US" dirty="0"/>
           </a:p>
         </p:txBody>
       </p:sp>
@@ -11596,9 +11585,9 @@
           <a:p>
             <a:fld id="{16F56834-CBFD-4BFA-AD95-B09D4A4AB911}" type="datetimeFigureOut">
               <a:rPr lang="en-US" smtClean="0"/>
-              <a:t>3/26/2021</a:t>
+              <a:t>3/27/2021</a:t>
             </a:fld>
-            <a:endParaRPr lang="en-US"/>
+            <a:endParaRPr lang="en-US" dirty="0"/>
           </a:p>
         </p:txBody>
       </p:sp>
@@ -11623,7 +11612,7 @@
           <a:bodyPr/>
           <a:lstStyle/>
           <a:p>
-            <a:endParaRPr lang="en-US"/>
+            <a:endParaRPr lang="en-US" dirty="0"/>
           </a:p>
         </p:txBody>
       </p:sp>
@@ -11652,7 +11641,7 @@
               <a:rPr lang="en-US" smtClean="0"/>
               <a:t>‹#›</a:t>
             </a:fld>
-            <a:endParaRPr lang="en-US"/>
+            <a:endParaRPr lang="en-US" dirty="0"/>
           </a:p>
         </p:txBody>
       </p:sp>
@@ -11837,9 +11826,9 @@
           <a:p>
             <a:fld id="{16F56834-CBFD-4BFA-AD95-B09D4A4AB911}" type="datetimeFigureOut">
               <a:rPr lang="en-US" smtClean="0"/>
-              <a:t>3/26/2021</a:t>
+              <a:t>3/27/2021</a:t>
             </a:fld>
-            <a:endParaRPr lang="en-US"/>
+            <a:endParaRPr lang="en-US" dirty="0"/>
           </a:p>
         </p:txBody>
       </p:sp>
@@ -11882,7 +11871,7 @@
             </a:lvl1pPr>
           </a:lstStyle>
           <a:p>
-            <a:endParaRPr lang="en-US"/>
+            <a:endParaRPr lang="en-US" dirty="0"/>
           </a:p>
         </p:txBody>
       </p:sp>
@@ -11929,7 +11918,7 @@
               <a:rPr lang="en-US" smtClean="0"/>
               <a:t>‹#›</a:t>
             </a:fld>
-            <a:endParaRPr lang="en-US"/>
+            <a:endParaRPr lang="en-US" dirty="0"/>
           </a:p>
         </p:txBody>
       </p:sp>
@@ -12276,12 +12265,8 @@
           <a:lstStyle/>
           <a:p>
             <a:r>
-              <a:rPr lang="en-US" dirty="0" err="1"/>
-              <a:t>Doggos</a:t>
-            </a:r>
-            <a:r>
               <a:rPr lang="en-US" dirty="0"/>
-              <a:t>!</a:t>
+              <a:t>Doggos!</a:t>
             </a:r>
           </a:p>
         </p:txBody>
@@ -12344,15 +12329,7 @@
           <a:p>
             <a:r>
               <a:rPr lang="en-US" b="1" dirty="0"/>
-              <a:t>Welcome to our </a:t>
-            </a:r>
-            <a:r>
-              <a:rPr lang="en-US" b="1" dirty="0" err="1"/>
-              <a:t>Doggos</a:t>
-            </a:r>
-            <a:r>
-              <a:rPr lang="en-US" b="1" dirty="0"/>
-              <a:t> page! </a:t>
+              <a:t>Welcome to our Doggos page! </a:t>
             </a:r>
             <a:r>
               <a:rPr lang="en-US" dirty="0"/>
@@ -12395,19 +12372,7 @@
               <a:rPr lang="en-US" sz="4400" dirty="0">
                 <a:latin typeface="Blackadder ITC" panose="020B0604020202020204" pitchFamily="82" charset="0"/>
               </a:rPr>
-              <a:t>Dungeons &amp; </a:t>
-            </a:r>
-            <a:r>
-              <a:rPr lang="en-US" sz="4400" dirty="0" err="1">
-                <a:latin typeface="Blackadder ITC" panose="020B0604020202020204" pitchFamily="82" charset="0"/>
-              </a:rPr>
-              <a:t>Doggos</a:t>
-            </a:r>
-            <a:r>
-              <a:rPr lang="en-US" sz="4400" dirty="0">
-                <a:latin typeface="Blackadder ITC" panose="020B0604020202020204" pitchFamily="82" charset="0"/>
-              </a:rPr>
-              <a:t>! (stretch goal)</a:t>
+              <a:t>Dungeons &amp; Doggos! (stretch goal)</a:t>
             </a:r>
           </a:p>
         </p:txBody>
@@ -12469,12 +12434,8 @@
           <a:lstStyle/>
           <a:p>
             <a:r>
-              <a:rPr lang="en-US" dirty="0" err="1"/>
-              <a:t>Doggos</a:t>
-            </a:r>
-            <a:r>
               <a:rPr lang="en-US" dirty="0"/>
-              <a:t>!</a:t>
+              <a:t>Doggos!</a:t>
             </a:r>
           </a:p>
         </p:txBody>
@@ -12555,7 +12516,7 @@
           <a:lstStyle/>
           <a:p>
             <a:pPr algn="ctr"/>
-            <a:endParaRPr lang="en-US"/>
+            <a:endParaRPr lang="en-US" dirty="0"/>
           </a:p>
         </p:txBody>
       </p:sp>
@@ -12601,7 +12562,7 @@
           <a:lstStyle/>
           <a:p>
             <a:pPr algn="ctr"/>
-            <a:endParaRPr lang="en-US"/>
+            <a:endParaRPr lang="en-US" dirty="0"/>
           </a:p>
         </p:txBody>
       </p:sp>
@@ -12732,12 +12693,8 @@
           <a:lstStyle/>
           <a:p>
             <a:r>
-              <a:rPr lang="en-US" dirty="0" err="1"/>
-              <a:t>Doggos</a:t>
-            </a:r>
-            <a:r>
               <a:rPr lang="en-US" dirty="0"/>
-              <a:t>!</a:t>
+              <a:t>Doggos!</a:t>
             </a:r>
           </a:p>
         </p:txBody>
@@ -12987,10 +12944,9 @@
           </a:lstStyle>
           <a:p>
             <a:r>
-              <a:rPr lang="en-US"/>
+              <a:rPr lang="en-US" dirty="0"/>
               <a:t>Doggos!</a:t>
             </a:r>
-            <a:endParaRPr lang="en-US" dirty="0"/>
           </a:p>
         </p:txBody>
       </p:sp>
@@ -13077,7 +13033,7 @@
           <a:lstStyle/>
           <a:p>
             <a:pPr algn="ctr"/>
-            <a:endParaRPr lang="en-US"/>
+            <a:endParaRPr lang="en-US" dirty="0"/>
           </a:p>
         </p:txBody>
       </p:sp>
@@ -13123,7 +13079,7 @@
           <a:lstStyle/>
           <a:p>
             <a:pPr algn="ctr"/>
-            <a:endParaRPr lang="en-US"/>
+            <a:endParaRPr lang="en-US" dirty="0"/>
           </a:p>
         </p:txBody>
       </p:sp>
@@ -13237,7 +13193,7 @@
           <a:lstStyle/>
           <a:p>
             <a:pPr algn="ctr"/>
-            <a:endParaRPr lang="en-US"/>
+            <a:endParaRPr lang="en-US" dirty="0"/>
           </a:p>
         </p:txBody>
       </p:sp>
@@ -13283,7 +13239,7 @@
           <a:lstStyle/>
           <a:p>
             <a:pPr algn="ctr"/>
-            <a:endParaRPr lang="en-US"/>
+            <a:endParaRPr lang="en-US" dirty="0"/>
           </a:p>
         </p:txBody>
       </p:sp>
@@ -13362,7 +13318,7 @@
           <a:lstStyle/>
           <a:p>
             <a:pPr algn="ctr"/>
-            <a:endParaRPr lang="en-US"/>
+            <a:endParaRPr lang="en-US" dirty="0"/>
           </a:p>
         </p:txBody>
       </p:sp>
@@ -13408,7 +13364,7 @@
           <a:lstStyle/>
           <a:p>
             <a:pPr algn="ctr"/>
-            <a:endParaRPr lang="en-US"/>
+            <a:endParaRPr lang="en-US" dirty="0"/>
           </a:p>
         </p:txBody>
       </p:sp>
@@ -13558,10 +13514,9 @@
           </a:lstStyle>
           <a:p>
             <a:r>
-              <a:rPr lang="en-US"/>
+              <a:rPr lang="en-US" dirty="0"/>
               <a:t>Doggos!</a:t>
             </a:r>
-            <a:endParaRPr lang="en-US" dirty="0"/>
           </a:p>
         </p:txBody>
       </p:sp>
@@ -13598,19 +13553,7 @@
               <a:rPr lang="en-US" sz="4400" dirty="0">
                 <a:latin typeface="Blackadder ITC" panose="020B0604020202020204" pitchFamily="82" charset="0"/>
               </a:rPr>
-              <a:t>Dungeons &amp; </a:t>
-            </a:r>
-            <a:r>
-              <a:rPr lang="en-US" sz="4400" dirty="0" err="1">
-                <a:latin typeface="Blackadder ITC" panose="020B0604020202020204" pitchFamily="82" charset="0"/>
-              </a:rPr>
-              <a:t>Doggos</a:t>
-            </a:r>
-            <a:r>
-              <a:rPr lang="en-US" sz="4400" dirty="0">
-                <a:latin typeface="Blackadder ITC" panose="020B0604020202020204" pitchFamily="82" charset="0"/>
-              </a:rPr>
-              <a:t>! (stretch goal)</a:t>
+              <a:t>Dungeons &amp; Doggos! (stretch goal)</a:t>
             </a:r>
           </a:p>
         </p:txBody>
